--- a/Sesión 1 - Máquina del tiempo/A2. Básico GIT.pptx
+++ b/Sesión 1 - Máquina del tiempo/A2. Básico GIT.pptx
@@ -1040,7 +1040,7 @@
           <a:p>
             <a:fld id="{1746D715-F302-4AEE-84BA-8B184C0E583B}" type="datetimeFigureOut">
               <a:rPr lang="es-CO" smtClean="0"/>
-              <a:t>25/07/20</a:t>
+              <a:t>25/01/21</a:t>
             </a:fld>
             <a:endParaRPr lang="es-CO"/>
           </a:p>
@@ -1082,7 +1082,7 @@
           <a:p>
             <a:fld id="{19274467-91A6-4BBE-9E77-4CCEB30A9719}" type="slidenum">
               <a:rPr lang="es-CO" smtClean="0"/>
-              <a:t>‹#›</a:t>
+              <a:t>‹Nº›</a:t>
             </a:fld>
             <a:endParaRPr lang="es-CO"/>
           </a:p>
@@ -1248,7 +1248,7 @@
           <a:p>
             <a:fld id="{1746D715-F302-4AEE-84BA-8B184C0E583B}" type="datetimeFigureOut">
               <a:rPr lang="es-CO" smtClean="0"/>
-              <a:t>25/07/20</a:t>
+              <a:t>25/01/21</a:t>
             </a:fld>
             <a:endParaRPr lang="es-CO"/>
           </a:p>
@@ -1290,7 +1290,7 @@
           <a:p>
             <a:fld id="{19274467-91A6-4BBE-9E77-4CCEB30A9719}" type="slidenum">
               <a:rPr lang="es-CO" smtClean="0"/>
-              <a:t>‹#›</a:t>
+              <a:t>‹Nº›</a:t>
             </a:fld>
             <a:endParaRPr lang="es-CO"/>
           </a:p>
@@ -1505,7 +1505,7 @@
           <a:p>
             <a:fld id="{1746D715-F302-4AEE-84BA-8B184C0E583B}" type="datetimeFigureOut">
               <a:rPr lang="es-CO" smtClean="0"/>
-              <a:t>25/07/20</a:t>
+              <a:t>25/01/21</a:t>
             </a:fld>
             <a:endParaRPr lang="es-CO"/>
           </a:p>
@@ -1547,7 +1547,7 @@
           <a:p>
             <a:fld id="{19274467-91A6-4BBE-9E77-4CCEB30A9719}" type="slidenum">
               <a:rPr lang="es-CO" smtClean="0"/>
-              <a:t>‹#›</a:t>
+              <a:t>‹Nº›</a:t>
             </a:fld>
             <a:endParaRPr lang="es-CO"/>
           </a:p>
@@ -1680,7 +1680,7 @@
           <a:p>
             <a:fld id="{1746D715-F302-4AEE-84BA-8B184C0E583B}" type="datetimeFigureOut">
               <a:rPr lang="es-CO" smtClean="0"/>
-              <a:t>25/07/20</a:t>
+              <a:t>25/01/21</a:t>
             </a:fld>
             <a:endParaRPr lang="es-CO"/>
           </a:p>
@@ -1722,7 +1722,7 @@
           <a:p>
             <a:fld id="{19274467-91A6-4BBE-9E77-4CCEB30A9719}" type="slidenum">
               <a:rPr lang="es-CO" smtClean="0"/>
-              <a:t>‹#›</a:t>
+              <a:t>‹Nº›</a:t>
             </a:fld>
             <a:endParaRPr lang="es-CO"/>
           </a:p>
@@ -2024,7 +2024,7 @@
           <a:p>
             <a:fld id="{1746D715-F302-4AEE-84BA-8B184C0E583B}" type="datetimeFigureOut">
               <a:rPr lang="es-CO" smtClean="0"/>
-              <a:t>25/07/20</a:t>
+              <a:t>25/01/21</a:t>
             </a:fld>
             <a:endParaRPr lang="es-CO"/>
           </a:p>
@@ -2066,7 +2066,7 @@
           <a:p>
             <a:fld id="{19274467-91A6-4BBE-9E77-4CCEB30A9719}" type="slidenum">
               <a:rPr lang="es-CO" smtClean="0"/>
-              <a:t>‹#›</a:t>
+              <a:t>‹Nº›</a:t>
             </a:fld>
             <a:endParaRPr lang="es-CO"/>
           </a:p>
@@ -2300,7 +2300,7 @@
           <a:p>
             <a:fld id="{1746D715-F302-4AEE-84BA-8B184C0E583B}" type="datetimeFigureOut">
               <a:rPr lang="es-CO" smtClean="0"/>
-              <a:t>25/07/20</a:t>
+              <a:t>25/01/21</a:t>
             </a:fld>
             <a:endParaRPr lang="es-CO"/>
           </a:p>
@@ -2342,7 +2342,7 @@
           <a:p>
             <a:fld id="{19274467-91A6-4BBE-9E77-4CCEB30A9719}" type="slidenum">
               <a:rPr lang="es-CO" smtClean="0"/>
-              <a:t>‹#›</a:t>
+              <a:t>‹Nº›</a:t>
             </a:fld>
             <a:endParaRPr lang="es-CO"/>
           </a:p>
@@ -2680,7 +2680,7 @@
           <a:p>
             <a:fld id="{1746D715-F302-4AEE-84BA-8B184C0E583B}" type="datetimeFigureOut">
               <a:rPr lang="es-CO" smtClean="0"/>
-              <a:t>25/07/20</a:t>
+              <a:t>25/01/21</a:t>
             </a:fld>
             <a:endParaRPr lang="es-CO"/>
           </a:p>
@@ -2722,7 +2722,7 @@
           <a:p>
             <a:fld id="{19274467-91A6-4BBE-9E77-4CCEB30A9719}" type="slidenum">
               <a:rPr lang="es-CO" smtClean="0"/>
-              <a:t>‹#›</a:t>
+              <a:t>‹Nº›</a:t>
             </a:fld>
             <a:endParaRPr lang="es-CO"/>
           </a:p>
@@ -2799,7 +2799,7 @@
           <a:p>
             <a:fld id="{1746D715-F302-4AEE-84BA-8B184C0E583B}" type="datetimeFigureOut">
               <a:rPr lang="es-CO" smtClean="0"/>
-              <a:t>25/07/20</a:t>
+              <a:t>25/01/21</a:t>
             </a:fld>
             <a:endParaRPr lang="es-CO"/>
           </a:p>
@@ -2841,7 +2841,7 @@
           <a:p>
             <a:fld id="{19274467-91A6-4BBE-9E77-4CCEB30A9719}" type="slidenum">
               <a:rPr lang="es-CO" smtClean="0"/>
-              <a:t>‹#›</a:t>
+              <a:t>‹Nº›</a:t>
             </a:fld>
             <a:endParaRPr lang="es-CO"/>
           </a:p>
@@ -2971,7 +2971,7 @@
           <a:p>
             <a:fld id="{1746D715-F302-4AEE-84BA-8B184C0E583B}" type="datetimeFigureOut">
               <a:rPr lang="es-CO" smtClean="0"/>
-              <a:t>25/07/20</a:t>
+              <a:t>25/01/21</a:t>
             </a:fld>
             <a:endParaRPr lang="es-CO"/>
           </a:p>
@@ -3021,7 +3021,7 @@
           <a:p>
             <a:fld id="{19274467-91A6-4BBE-9E77-4CCEB30A9719}" type="slidenum">
               <a:rPr lang="es-CO" smtClean="0"/>
-              <a:t>‹#›</a:t>
+              <a:t>‹Nº›</a:t>
             </a:fld>
             <a:endParaRPr lang="es-CO"/>
           </a:p>
@@ -3326,7 +3326,7 @@
           <a:p>
             <a:fld id="{1746D715-F302-4AEE-84BA-8B184C0E583B}" type="datetimeFigureOut">
               <a:rPr lang="es-CO" smtClean="0"/>
-              <a:t>25/07/20</a:t>
+              <a:t>25/01/21</a:t>
             </a:fld>
             <a:endParaRPr lang="es-CO"/>
           </a:p>
@@ -3389,7 +3389,7 @@
           <a:p>
             <a:fld id="{19274467-91A6-4BBE-9E77-4CCEB30A9719}" type="slidenum">
               <a:rPr lang="es-CO" smtClean="0"/>
-              <a:t>‹#›</a:t>
+              <a:t>‹Nº›</a:t>
             </a:fld>
             <a:endParaRPr lang="es-CO"/>
           </a:p>
@@ -3709,7 +3709,7 @@
           <a:p>
             <a:fld id="{1746D715-F302-4AEE-84BA-8B184C0E583B}" type="datetimeFigureOut">
               <a:rPr lang="es-CO" smtClean="0"/>
-              <a:t>25/07/20</a:t>
+              <a:t>25/01/21</a:t>
             </a:fld>
             <a:endParaRPr lang="es-CO"/>
           </a:p>
@@ -3751,7 +3751,7 @@
           <a:p>
             <a:fld id="{19274467-91A6-4BBE-9E77-4CCEB30A9719}" type="slidenum">
               <a:rPr lang="es-CO" smtClean="0"/>
-              <a:t>‹#›</a:t>
+              <a:t>‹Nº›</a:t>
             </a:fld>
             <a:endParaRPr lang="es-CO"/>
           </a:p>
@@ -3997,7 +3997,7 @@
           <a:p>
             <a:fld id="{1746D715-F302-4AEE-84BA-8B184C0E583B}" type="datetimeFigureOut">
               <a:rPr lang="es-CO" smtClean="0"/>
-              <a:t>25/07/20</a:t>
+              <a:t>25/01/21</a:t>
             </a:fld>
             <a:endParaRPr lang="es-CO"/>
           </a:p>
@@ -4071,7 +4071,7 @@
           <a:p>
             <a:fld id="{19274467-91A6-4BBE-9E77-4CCEB30A9719}" type="slidenum">
               <a:rPr lang="es-CO" smtClean="0"/>
-              <a:t>‹#›</a:t>
+              <a:t>‹Nº›</a:t>
             </a:fld>
             <a:endParaRPr lang="es-CO"/>
           </a:p>
